--- a/slides/05-local-models.pptx
+++ b/slides/05-local-models.pptx
@@ -119,6 +119,9 @@
   <p:extLst>
     <p:ext uri="{EFAFB233-063F-42B5-8137-9DF3F51BA10A}">
       <p15:sldGuideLst xmlns:p15="http://schemas.microsoft.com/office/powerpoint/2012/main"/>
+    </p:ext>
+    <p:ext uri="{2D200454-40CA-4A62-9FC3-DE9A4176ACB9}">
+      <p15:notesGuideLst xmlns:p15="http://schemas.microsoft.com/office/powerpoint/2012/main"/>
     </p:ext>
   </p:extLst>
 </p:presentation>
@@ -4114,7 +4117,7 @@
           <a:p>
             <a:fld id="{27A82545-C49A-CF4B-A5DE-3FF42027D599}" type="datetimeFigureOut">
               <a:rPr lang="en-FR" smtClean="0"/>
-              <a:t>05/08/2024</a:t>
+              <a:t>27/09/2024</a:t>
             </a:fld>
             <a:endParaRPr lang="en-FR"/>
           </a:p>
@@ -4291,7 +4294,7 @@
           <a:p>
             <a:fld id="{855B53BB-9CA8-4E36-AA7C-C10D869BF69A}" type="datetimeFigureOut">
               <a:rPr lang="en-US" smtClean="0"/>
-              <a:t>8/5/24</a:t>
+              <a:t>9/27/24</a:t>
             </a:fld>
             <a:endParaRPr lang="en-US"/>
           </a:p>
@@ -4986,7 +4989,7 @@
                 <a:tabLst/>
                 <a:defRPr/>
               </a:pPr>
-              <a:t>8/5/24 4:12 PM</a:t>
+              <a:t>9/27/24 3:48 PM</a:t>
             </a:fld>
             <a:endParaRPr kumimoji="0" lang="en-US" sz="1200" b="0" i="0" u="none" strike="noStrike" kern="1200" cap="none" spc="0" normalizeH="0" baseline="0" noProof="0" dirty="0">
               <a:ln>
@@ -5671,7 +5674,7 @@
                 <a:tabLst/>
                 <a:defRPr/>
               </a:pPr>
-              <a:t>8/5/24 4:12 PM</a:t>
+              <a:t>9/27/24 3:48 PM</a:t>
             </a:fld>
             <a:endParaRPr kumimoji="0" lang="en-US" sz="1200" b="0" i="0" u="none" strike="noStrike" kern="1200" cap="none" spc="0" normalizeH="0" baseline="0" noProof="0" dirty="0">
               <a:ln>
@@ -24728,10 +24731,13 @@
       </p:sp>
       <p:grpSp>
         <p:nvGrpSpPr>
-          <p:cNvPr id="35" name="Group 34">
+          <p:cNvPr id="35" name="Group 34" descr="List of the different Phi- models: mini (3.8B), vision (4.2B), small (7B) and medium (14B)">
             <a:extLst>
               <a:ext uri="{FF2B5EF4-FFF2-40B4-BE49-F238E27FC236}">
                 <a16:creationId xmlns:a16="http://schemas.microsoft.com/office/drawing/2014/main" id="{FFA48EFB-7AA4-ED7B-C880-1E5BAEC324BC}"/>
+              </a:ext>
+              <a:ext uri="{C183D7F6-B498-43B3-948B-1728B52AA6E4}">
+                <adec:decorative xmlns:adec="http://schemas.microsoft.com/office/drawing/2017/decorative" val="0"/>
               </a:ext>
             </a:extLst>
           </p:cNvPr>
@@ -31419,10 +31425,13 @@
       </p:sp>
       <p:grpSp>
         <p:nvGrpSpPr>
-          <p:cNvPr id="17" name="Group 16">
+          <p:cNvPr id="17" name="Group 16" descr="Azure AI Model Catalog">
             <a:extLst>
               <a:ext uri="{FF2B5EF4-FFF2-40B4-BE49-F238E27FC236}">
                 <a16:creationId xmlns:a16="http://schemas.microsoft.com/office/drawing/2014/main" id="{37A64112-988B-A4DC-D973-D3BDFDC707E7}"/>
+              </a:ext>
+              <a:ext uri="{C183D7F6-B498-43B3-948B-1728B52AA6E4}">
+                <adec:decorative xmlns:adec="http://schemas.microsoft.com/office/drawing/2017/decorative" val="0"/>
               </a:ext>
             </a:extLst>
           </p:cNvPr>
@@ -31583,7 +31592,7 @@
       </p:grpSp>
       <p:grpSp>
         <p:nvGrpSpPr>
-          <p:cNvPr id="22" name="Group 21">
+          <p:cNvPr id="22" name="Group 21" descr="Hugging Face">
             <a:extLst>
               <a:ext uri="{FF2B5EF4-FFF2-40B4-BE49-F238E27FC236}">
                 <a16:creationId xmlns:a16="http://schemas.microsoft.com/office/drawing/2014/main" id="{A5D566F8-99E5-59CC-84C9-EFEC7D700AE9}"/>
@@ -31711,7 +31720,7 @@
       </p:grpSp>
       <p:grpSp>
         <p:nvGrpSpPr>
-          <p:cNvPr id="23" name="Group 22">
+          <p:cNvPr id="23" name="Group 22" descr="ONNX Runtime">
             <a:extLst>
               <a:ext uri="{FF2B5EF4-FFF2-40B4-BE49-F238E27FC236}">
                 <a16:creationId xmlns:a16="http://schemas.microsoft.com/office/drawing/2014/main" id="{4FFA60AF-2620-D725-D893-957D10165C74}"/>
@@ -32020,7 +32029,7 @@
       </p:sp>
       <p:grpSp>
         <p:nvGrpSpPr>
-          <p:cNvPr id="25" name="Group 24">
+          <p:cNvPr id="25" name="Group 24" descr="Ollama">
             <a:extLst>
               <a:ext uri="{FF2B5EF4-FFF2-40B4-BE49-F238E27FC236}">
                 <a16:creationId xmlns:a16="http://schemas.microsoft.com/office/drawing/2014/main" id="{B1A86BC4-4015-80CA-F0EE-6AB35C846171}"/>
@@ -32167,6 +32176,9 @@
               <a:ext uri="{FF2B5EF4-FFF2-40B4-BE49-F238E27FC236}">
                 <a16:creationId xmlns:a16="http://schemas.microsoft.com/office/drawing/2014/main" id="{B9EBF521-77F4-78AF-20EA-3921EDDDA93D}"/>
               </a:ext>
+              <a:ext uri="{C183D7F6-B498-43B3-948B-1728B52AA6E4}">
+                <adec:decorative xmlns:adec="http://schemas.microsoft.com/office/drawing/2017/decorative" val="1"/>
+              </a:ext>
             </a:extLst>
           </p:cNvPr>
           <p:cNvSpPr/>
@@ -32233,7 +32245,7 @@
       </p:sp>
       <p:grpSp>
         <p:nvGrpSpPr>
-          <p:cNvPr id="24" name="Group 23">
+          <p:cNvPr id="24" name="Group 23" descr="Nvidia NIM">
             <a:extLst>
               <a:ext uri="{FF2B5EF4-FFF2-40B4-BE49-F238E27FC236}">
                 <a16:creationId xmlns:a16="http://schemas.microsoft.com/office/drawing/2014/main" id="{5EF0FDFF-C10A-47BA-5A66-518F5BF6C8D2}"/>
@@ -32357,7 +32369,7 @@
       </p:grpSp>
       <p:grpSp>
         <p:nvGrpSpPr>
-          <p:cNvPr id="26" name="Group 25">
+          <p:cNvPr id="26" name="Group 25" descr="LM Studio">
             <a:extLst>
               <a:ext uri="{FF2B5EF4-FFF2-40B4-BE49-F238E27FC236}">
                 <a16:creationId xmlns:a16="http://schemas.microsoft.com/office/drawing/2014/main" id="{1366AA2D-FD70-CF3C-0738-CC280460DABE}"/>
@@ -32492,7 +32504,7 @@
       </p:grpSp>
       <p:grpSp>
         <p:nvGrpSpPr>
-          <p:cNvPr id="27" name="Group 26">
+          <p:cNvPr id="27" name="Group 26" descr="VS Code AI Toolkit">
             <a:extLst>
               <a:ext uri="{FF2B5EF4-FFF2-40B4-BE49-F238E27FC236}">
                 <a16:creationId xmlns:a16="http://schemas.microsoft.com/office/drawing/2014/main" id="{A47D37BC-CACD-C52F-80C2-ED951E26C411}"/>
@@ -32673,7 +32685,7 @@
                                     <p:cond delay="0"/>
                                   </p:stCondLst>
                                   <p:childTnLst>
-                                    <p:animMotion origin="layout" path="M 1.45833E-6 -7.40741E-7 L 1.45833E-6 -0.25301 " pathEditMode="fixed" rAng="0" ptsTypes="AA">
+                                    <p:animMotion origin="layout" path="M 3.75E-6 -1.85185E-6 L 3.75E-6 -0.25301 " pathEditMode="fixed" rAng="0" ptsTypes="AA">
                                       <p:cBhvr>
                                         <p:cTn id="6" dur="2000" fill="hold"/>
                                         <p:tgtEl>
@@ -33297,42 +33309,6 @@
           <a:chExt cx="0" cy="0"/>
         </a:xfrm>
       </p:grpSpPr>
-      <p:sp>
-        <p:nvSpPr>
-          <p:cNvPr id="17" name="Title 16">
-            <a:extLst>
-              <a:ext uri="{FF2B5EF4-FFF2-40B4-BE49-F238E27FC236}">
-                <a16:creationId xmlns:a16="http://schemas.microsoft.com/office/drawing/2014/main" id="{6DCCFDF2-4903-D03D-FCEA-E99662477646}"/>
-              </a:ext>
-            </a:extLst>
-          </p:cNvPr>
-          <p:cNvSpPr>
-            <a:spLocks noGrp="1"/>
-          </p:cNvSpPr>
-          <p:nvPr>
-            <p:ph type="title"/>
-          </p:nvPr>
-        </p:nvSpPr>
-        <p:spPr>
-          <a:xfrm>
-            <a:off x="588263" y="457200"/>
-            <a:ext cx="11018520" cy="553998"/>
-          </a:xfrm>
-        </p:spPr>
-        <p:txBody>
-          <a:bodyPr wrap="square" anchor="t">
-            <a:normAutofit/>
-          </a:bodyPr>
-          <a:lstStyle/>
-          <a:p>
-            <a:r>
-              <a:rPr lang="en-US" dirty="0" err="1"/>
-              <a:t>Ollama</a:t>
-            </a:r>
-            <a:endParaRPr lang="en-US" dirty="0"/>
-          </a:p>
-        </p:txBody>
-      </p:sp>
       <p:graphicFrame>
         <p:nvGraphicFramePr>
           <p:cNvPr id="34" name="Text Placeholder 5">
@@ -33340,13 +33316,16 @@
               <a:ext uri="{FF2B5EF4-FFF2-40B4-BE49-F238E27FC236}">
                 <a16:creationId xmlns:a16="http://schemas.microsoft.com/office/drawing/2014/main" id="{6A9C06E4-27CF-DE7B-4538-61EE21B18086}"/>
               </a:ext>
+              <a:ext uri="{C183D7F6-B498-43B3-948B-1728B52AA6E4}">
+                <adec:decorative xmlns:adec="http://schemas.microsoft.com/office/drawing/2017/decorative" val="1"/>
+              </a:ext>
             </a:extLst>
           </p:cNvPr>
           <p:cNvGraphicFramePr/>
           <p:nvPr>
             <p:extLst>
               <p:ext uri="{D42A27DB-BD31-4B8C-83A1-F6EECF244321}">
-                <p14:modId xmlns:p14="http://schemas.microsoft.com/office/powerpoint/2010/main" val="2537658817"/>
+                <p14:modId xmlns:p14="http://schemas.microsoft.com/office/powerpoint/2010/main" val="1560595187"/>
               </p:ext>
             </p:extLst>
           </p:nvPr>
@@ -33367,6 +33346,9 @@
             <a:extLst>
               <a:ext uri="{FF2B5EF4-FFF2-40B4-BE49-F238E27FC236}">
                 <a16:creationId xmlns:a16="http://schemas.microsoft.com/office/drawing/2014/main" id="{555FF120-5757-1C83-0878-10ABE8128386}"/>
+              </a:ext>
+              <a:ext uri="{C183D7F6-B498-43B3-948B-1728B52AA6E4}">
+                <adec:decorative xmlns:adec="http://schemas.microsoft.com/office/drawing/2017/decorative" val="1"/>
               </a:ext>
             </a:extLst>
           </p:cNvPr>
@@ -33439,6 +33421,9 @@
               <a:ext uri="{FF2B5EF4-FFF2-40B4-BE49-F238E27FC236}">
                 <a16:creationId xmlns:a16="http://schemas.microsoft.com/office/drawing/2014/main" id="{C7392A2F-8BCF-0AA4-8FD6-815D42D5CF5E}"/>
               </a:ext>
+              <a:ext uri="{C183D7F6-B498-43B3-948B-1728B52AA6E4}">
+                <adec:decorative xmlns:adec="http://schemas.microsoft.com/office/drawing/2017/decorative" val="1"/>
+              </a:ext>
             </a:extLst>
           </p:cNvPr>
           <p:cNvSpPr/>
@@ -33509,6 +33494,9 @@
             <a:extLst>
               <a:ext uri="{FF2B5EF4-FFF2-40B4-BE49-F238E27FC236}">
                 <a16:creationId xmlns:a16="http://schemas.microsoft.com/office/drawing/2014/main" id="{E47F017A-2D57-9E1B-63F3-62EBCB5276B3}"/>
+              </a:ext>
+              <a:ext uri="{C183D7F6-B498-43B3-948B-1728B52AA6E4}">
+                <adec:decorative xmlns:adec="http://schemas.microsoft.com/office/drawing/2017/decorative" val="1"/>
               </a:ext>
             </a:extLst>
           </p:cNvPr>
@@ -33581,6 +33569,9 @@
               <a:ext uri="{FF2B5EF4-FFF2-40B4-BE49-F238E27FC236}">
                 <a16:creationId xmlns:a16="http://schemas.microsoft.com/office/drawing/2014/main" id="{99707CD1-2C87-B10F-42BB-92E7692E0A96}"/>
               </a:ext>
+              <a:ext uri="{C183D7F6-B498-43B3-948B-1728B52AA6E4}">
+                <adec:decorative xmlns:adec="http://schemas.microsoft.com/office/drawing/2017/decorative" val="1"/>
+              </a:ext>
             </a:extLst>
           </p:cNvPr>
           <p:cNvSpPr/>
@@ -33642,6 +33633,42 @@
               <a:ea typeface="Segoe UI" pitchFamily="34" charset="0"/>
               <a:cs typeface="Segoe UI" pitchFamily="34" charset="0"/>
             </a:endParaRPr>
+          </a:p>
+        </p:txBody>
+      </p:sp>
+      <p:sp>
+        <p:nvSpPr>
+          <p:cNvPr id="17" name="Title 16">
+            <a:extLst>
+              <a:ext uri="{FF2B5EF4-FFF2-40B4-BE49-F238E27FC236}">
+                <a16:creationId xmlns:a16="http://schemas.microsoft.com/office/drawing/2014/main" id="{6DCCFDF2-4903-D03D-FCEA-E99662477646}"/>
+              </a:ext>
+            </a:extLst>
+          </p:cNvPr>
+          <p:cNvSpPr>
+            <a:spLocks noGrp="1"/>
+          </p:cNvSpPr>
+          <p:nvPr>
+            <p:ph type="title"/>
+          </p:nvPr>
+        </p:nvSpPr>
+        <p:spPr>
+          <a:xfrm>
+            <a:off x="588263" y="457200"/>
+            <a:ext cx="11018520" cy="553998"/>
+          </a:xfrm>
+        </p:spPr>
+        <p:txBody>
+          <a:bodyPr wrap="square" anchor="t">
+            <a:normAutofit/>
+          </a:bodyPr>
+          <a:lstStyle/>
+          <a:p>
+            <a:r>
+              <a:rPr lang="en-US" dirty="0" err="1"/>
+              <a:t>Ollama</a:t>
+            </a:r>
+            <a:endParaRPr lang="en-US" dirty="0"/>
           </a:p>
         </p:txBody>
       </p:sp>

--- a/slides/05-local-models.pptx
+++ b/slides/05-local-models.pptx
@@ -4117,7 +4117,7 @@
           <a:p>
             <a:fld id="{27A82545-C49A-CF4B-A5DE-3FF42027D599}" type="datetimeFigureOut">
               <a:rPr lang="en-FR" smtClean="0"/>
-              <a:t>27/09/2024</a:t>
+              <a:t>30/09/2024</a:t>
             </a:fld>
             <a:endParaRPr lang="en-FR"/>
           </a:p>
@@ -4294,7 +4294,7 @@
           <a:p>
             <a:fld id="{855B53BB-9CA8-4E36-AA7C-C10D869BF69A}" type="datetimeFigureOut">
               <a:rPr lang="en-US" smtClean="0"/>
-              <a:t>9/27/24</a:t>
+              <a:t>9/30/24</a:t>
             </a:fld>
             <a:endParaRPr lang="en-US"/>
           </a:p>
@@ -4989,7 +4989,7 @@
                 <a:tabLst/>
                 <a:defRPr/>
               </a:pPr>
-              <a:t>9/27/24 3:48 PM</a:t>
+              <a:t>9/30/24 2:15 PM</a:t>
             </a:fld>
             <a:endParaRPr kumimoji="0" lang="en-US" sz="1200" b="0" i="0" u="none" strike="noStrike" kern="1200" cap="none" spc="0" normalizeH="0" baseline="0" noProof="0" dirty="0">
               <a:ln>
@@ -5674,7 +5674,7 @@
                 <a:tabLst/>
                 <a:defRPr/>
               </a:pPr>
-              <a:t>9/27/24 3:48 PM</a:t>
+              <a:t>9/30/24 2:15 PM</a:t>
             </a:fld>
             <a:endParaRPr kumimoji="0" lang="en-US" sz="1200" b="0" i="0" u="none" strike="noStrike" kern="1200" cap="none" spc="0" normalizeH="0" baseline="0" noProof="0" dirty="0">
               <a:ln>
@@ -6014,8 +6014,12 @@
               <a:buNone/>
             </a:pPr>
             <a:r>
+              <a:rPr lang="en-US"/>
+              <a:t>Next session: </a:t>
+            </a:r>
+            <a:r>
               <a:rPr lang="en-US" dirty="0"/>
-              <a:t>Next video: we’ll experiment a bit more with </a:t>
+              <a:t>we’ll experiment a bit more with </a:t>
             </a:r>
             <a:r>
               <a:rPr lang="en-US" dirty="0" err="1"/>
